--- a/Slides/Module 02.2 Test-Driven Development.pptx
+++ b/Slides/Module 02.2 Test-Driven Development.pptx
@@ -6653,7 +6653,13 @@
               <a:rPr lang="en-US" altLang="en-US" dirty="0">
                 <a:sym typeface="Helvetica Neue" charset="0"/>
               </a:rPr>
-              <a:t>Module 2: From Requirements to Tests</a:t>
+              <a:t>Module 2.2: </a:t>
+            </a:r>
+            <a:r>
+              <a:rPr lang="en-US" altLang="en-US">
+                <a:sym typeface="Helvetica Neue" charset="0"/>
+              </a:rPr>
+              <a:t>Test-Driven Development</a:t>
             </a:r>
             <a:endParaRPr lang="en-US" sz="3200" dirty="0"/>
           </a:p>

--- a/Slides/Module 02.2 Test-Driven Development.pptx
+++ b/Slides/Module 02.2 Test-Driven Development.pptx
@@ -6888,14 +6888,9 @@
           <a:bodyPr/>
           <a:lstStyle/>
           <a:p>
-            <a:pPr>
-              <a:lnSpc>
-                <a:spcPct val="100000"/>
-              </a:lnSpc>
-            </a:pPr>
             <a:r>
               <a:rPr lang="en-US" sz="2400" dirty="0"/>
-              <a:t>Adeel Bhutta, Mitch Wand, Rob Simmons</a:t>
+              <a:t>Adeel Bhutta, Rob Simmons, and Mitch Wand</a:t>
             </a:r>
           </a:p>
           <a:p>
@@ -6977,7 +6972,7 @@
                   <a:srgbClr val="5C5962"/>
                 </a:solidFill>
               </a:rPr>
-              <a:t>© 2025 Released under the </a:t>
+              <a:t>© 2026 Released under the </a:t>
             </a:r>
             <a:r>
               <a:rPr lang="en-US" dirty="0">
@@ -17908,15 +17903,7 @@
           <a:p>
             <a:r>
               <a:rPr lang="en-US" dirty="0"/>
-              <a:t>Turning testable behaviors into </a:t>
-            </a:r>
-            <a:r>
-              <a:rPr lang="en-US" dirty="0" err="1"/>
-              <a:t>Vitest</a:t>
-            </a:r>
-            <a:r>
-              <a:rPr lang="en-US" dirty="0"/>
-              <a:t> tests</a:t>
+              <a:t>Tests from testable behaviors</a:t>
             </a:r>
           </a:p>
         </p:txBody>
@@ -19040,16 +19027,8 @@
           <a:lstStyle/>
           <a:p>
             <a:r>
-              <a:rPr lang="en-US"/>
-              <a:t>Turning testable behaviors into </a:t>
-            </a:r>
-            <a:r>
-              <a:rPr lang="en-US" err="1"/>
-              <a:t>Vitest</a:t>
-            </a:r>
-            <a:r>
-              <a:rPr lang="en-US"/>
-              <a:t> tests</a:t>
+              <a:rPr lang="en-US" dirty="0"/>
+              <a:t>Tests from testable behaviors</a:t>
             </a:r>
           </a:p>
         </p:txBody>
@@ -19950,16 +19929,8 @@
           <a:lstStyle/>
           <a:p>
             <a:r>
-              <a:rPr lang="en-US"/>
-              <a:t>Turning testable behaviors into </a:t>
-            </a:r>
-            <a:r>
-              <a:rPr lang="en-US" err="1"/>
-              <a:t>Vitest</a:t>
-            </a:r>
-            <a:r>
-              <a:rPr lang="en-US"/>
-              <a:t> tests</a:t>
+              <a:rPr lang="en-US" dirty="0"/>
+              <a:t>Tests from testable behaviors</a:t>
             </a:r>
           </a:p>
         </p:txBody>

--- a/Slides/Module 02.2 Test-Driven Development.pptx
+++ b/Slides/Module 02.2 Test-Driven Development.pptx
@@ -283,7 +283,7 @@
           <a:p>
             <a:fld id="{7C7E5181-6CF5-45F7-A87A-E0E0B1FD7549}" type="datetimeFigureOut">
               <a:rPr lang="en-US" smtClean="0"/>
-              <a:t>1/5/2026</a:t>
+              <a:t>1/7/2026</a:t>
             </a:fld>
             <a:endParaRPr lang="en-US"/>
           </a:p>
@@ -991,7 +991,7 @@
           <a:p>
             <a:r>
               <a:rPr lang="en-US" dirty="0"/>
-              <a:t>Often, turning testable behaviors into conditions of satisfaction leads to points where the user story or initial conditions of satisfaction weren’t clear enough. This can require negotiation within your team or with your users.</a:t>
+              <a:t>Often, turning conditions of satisfaction into testable behaviors leads to points where the user story or initial conditions of satisfaction weren’t clear enough. This can require negotiation within your team or with your users.</a:t>
             </a:r>
           </a:p>
         </p:txBody>
@@ -1160,6 +1160,48 @@
           <a:bodyPr/>
           <a:lstStyle/>
           <a:p>
+            <a:r>
+              <a:rPr lang="en-US" dirty="0"/>
+              <a:t>Note: if you say '</a:t>
+            </a:r>
+            <a:r>
+              <a:rPr lang="en-US" dirty="0" err="1"/>
+              <a:t>npm</a:t>
+            </a:r>
+            <a:r>
+              <a:rPr lang="en-US" dirty="0"/>
+              <a:t> test' or </a:t>
+            </a:r>
+            <a:r>
+              <a:rPr lang="en-US" dirty="0" err="1"/>
+              <a:t>vitest</a:t>
+            </a:r>
+            <a:r>
+              <a:rPr lang="en-US" dirty="0"/>
+              <a:t> --coverage, you don't get a coverage report for </a:t>
+            </a:r>
+            <a:r>
+              <a:rPr lang="en-US" dirty="0" err="1"/>
+              <a:t>types.ts</a:t>
+            </a:r>
+            <a:r>
+              <a:rPr lang="en-US" dirty="0"/>
+              <a:t>, because </a:t>
+            </a:r>
+            <a:r>
+              <a:rPr lang="en-US" dirty="0" err="1"/>
+              <a:t>types.ts</a:t>
+            </a:r>
+            <a:r>
+              <a:rPr lang="en-US" dirty="0"/>
+              <a:t> contains no executable code </a:t>
+            </a:r>
+            <a:r>
+              <a:rPr lang="en-US" dirty="0">
+                <a:sym typeface="Wingdings" panose="05000000000000000000" pitchFamily="2" charset="2"/>
+              </a:rPr>
+              <a:t>.  </a:t>
+            </a:r>
             <a:endParaRPr lang="en-US" dirty="0"/>
           </a:p>
         </p:txBody>
@@ -2382,8 +2424,21 @@
             </a:r>
             <a:r>
               <a:rPr lang="en-US" b="0" dirty="0"/>
-              <a:t> block.</a:t>
-            </a:r>
+              <a:t> block.  (For this, you'd also have to add .clear() to the </a:t>
+            </a:r>
+            <a:r>
+              <a:rPr lang="en-US" b="0" dirty="0" err="1"/>
+              <a:t>TranscriptService</a:t>
+            </a:r>
+            <a:r>
+              <a:rPr lang="en-US" b="0" dirty="0"/>
+              <a:t> interface, which would have its own problems.  (Designs always </a:t>
+            </a:r>
+            <a:r>
+              <a:rPr lang="en-US" b="0"/>
+              <a:t>have tradeoffs!))</a:t>
+            </a:r>
+            <a:endParaRPr lang="en-US" b="0" dirty="0"/>
           </a:p>
           <a:p>
             <a:endParaRPr lang="en-US" b="0" dirty="0"/>
@@ -3722,7 +3777,7 @@
           <a:p>
             <a:fld id="{5D2A64DE-480B-420F-9649-4F8E696E08E0}" type="datetime1">
               <a:rPr lang="en-US" smtClean="0"/>
-              <a:t>1/5/2026</a:t>
+              <a:t>1/7/2026</a:t>
             </a:fld>
             <a:endParaRPr lang="en-US"/>
           </a:p>
@@ -4046,7 +4101,7 @@
           <a:p>
             <a:fld id="{EA476A42-A091-4468-A075-64A31BE59948}" type="datetime1">
               <a:rPr lang="en-US" smtClean="0"/>
-              <a:t>1/5/2026</a:t>
+              <a:t>1/7/2026</a:t>
             </a:fld>
             <a:endParaRPr lang="en-US"/>
           </a:p>
@@ -4244,7 +4299,7 @@
           <a:p>
             <a:fld id="{0D3616D0-8311-4107-9726-6B805E7D05BA}" type="datetime1">
               <a:rPr lang="en-US" smtClean="0"/>
-              <a:t>1/5/2026</a:t>
+              <a:t>1/7/2026</a:t>
             </a:fld>
             <a:endParaRPr lang="en-US"/>
           </a:p>
@@ -4452,7 +4507,7 @@
           <a:p>
             <a:fld id="{3BC2557A-5C88-417A-A763-5AC779462A5F}" type="datetime1">
               <a:rPr lang="en-US" smtClean="0"/>
-              <a:t>1/5/2026</a:t>
+              <a:t>1/7/2026</a:t>
             </a:fld>
             <a:endParaRPr lang="en-US"/>
           </a:p>
@@ -4874,7 +4929,7 @@
           <a:p>
             <a:fld id="{07C7BFD4-467E-4EDE-93EA-052F5B39A4E5}" type="datetime1">
               <a:rPr lang="en-US" smtClean="0"/>
-              <a:t>1/5/2026</a:t>
+              <a:t>1/7/2026</a:t>
             </a:fld>
             <a:endParaRPr lang="en-US"/>
           </a:p>
@@ -5124,7 +5179,7 @@
           <a:p>
             <a:fld id="{07C7BFD4-467E-4EDE-93EA-052F5B39A4E5}" type="datetime1">
               <a:rPr lang="en-US" smtClean="0"/>
-              <a:t>1/5/2026</a:t>
+              <a:t>1/7/2026</a:t>
             </a:fld>
             <a:endParaRPr lang="en-US"/>
           </a:p>
@@ -5306,7 +5361,7 @@
           <a:p>
             <a:fld id="{109E55A0-C911-4F03-82FC-7E5926047D46}" type="datetime1">
               <a:rPr lang="en-US" smtClean="0"/>
-              <a:t>1/5/2026</a:t>
+              <a:t>1/7/2026</a:t>
             </a:fld>
             <a:endParaRPr lang="en-US"/>
           </a:p>
@@ -5619,7 +5674,7 @@
           <a:p>
             <a:fld id="{A533CBE2-D5BE-47AC-ADC2-9CDFC1D0CF90}" type="datetime1">
               <a:rPr lang="en-US" smtClean="0"/>
-              <a:t>1/5/2026</a:t>
+              <a:t>1/7/2026</a:t>
             </a:fld>
             <a:endParaRPr lang="en-US"/>
           </a:p>
@@ -5920,7 +5975,7 @@
           <a:p>
             <a:fld id="{39B7EDB1-CE74-4951-85A2-0B01C2128E28}" type="datetime1">
               <a:rPr lang="en-US" smtClean="0"/>
-              <a:t>1/5/2026</a:t>
+              <a:t>1/7/2026</a:t>
             </a:fld>
             <a:endParaRPr lang="en-US"/>
           </a:p>
@@ -6368,7 +6423,7 @@
           <a:p>
             <a:fld id="{2BC7EB92-A5C2-4807-A9DC-9EDE6CBFB241}" type="datetime1">
               <a:rPr lang="en-US" smtClean="0"/>
-              <a:t>1/5/2026</a:t>
+              <a:t>1/7/2026</a:t>
             </a:fld>
             <a:endParaRPr lang="en-US"/>
           </a:p>
@@ -6481,7 +6536,7 @@
           <a:p>
             <a:fld id="{2B7B7EE0-7771-4CD5-9B2B-3550753A54A1}" type="datetime1">
               <a:rPr lang="en-US" smtClean="0"/>
-              <a:t>1/5/2026</a:t>
+              <a:t>1/7/2026</a:t>
             </a:fld>
             <a:endParaRPr lang="en-US"/>
           </a:p>
@@ -6792,7 +6847,7 @@
           <a:p>
             <a:fld id="{F8B318B3-0E87-4416-A9B8-D891968C2727}" type="datetime1">
               <a:rPr lang="en-US" smtClean="0"/>
-              <a:t>1/5/2026</a:t>
+              <a:t>1/7/2026</a:t>
             </a:fld>
             <a:endParaRPr lang="en-US"/>
           </a:p>
@@ -7033,7 +7088,7 @@
           <a:p>
             <a:fld id="{54D997E8-DDEE-43F1-8D9B-F8A1E11DE488}" type="datetime1">
               <a:rPr lang="en-US" smtClean="0"/>
-              <a:t>1/5/2026</a:t>
+              <a:t>1/7/2026</a:t>
             </a:fld>
             <a:endParaRPr lang="en-US"/>
           </a:p>
